--- a/수업 자료/4 - C++ STL.pptx
+++ b/수업 자료/4 - C++ STL.pptx
@@ -1,6 +1,6 @@
 
 <file path=ppt/presentation.xml><?xml version="1.0" encoding="utf-8"?>
-<p:presentation xmlns:a="http://schemas.openxmlformats.org/drawingml/2006/main" xmlns:r="http://schemas.openxmlformats.org/officeDocument/2006/relationships" xmlns:p="http://schemas.openxmlformats.org/presentationml/2006/main" saveSubsetFonts="1">
+<p:presentation xmlns:a="http://schemas.openxmlformats.org/drawingml/2006/main" xmlns:r="http://schemas.openxmlformats.org/officeDocument/2006/relationships" xmlns:p="http://schemas.openxmlformats.org/presentationml/2006/main" embedTrueTypeFonts="1" saveSubsetFonts="1">
   <p:sldMasterIdLst>
     <p:sldMasterId id="2147483648" r:id="rId1"/>
   </p:sldMasterIdLst>
@@ -46,6 +46,24 @@
   </p:sldIdLst>
   <p:sldSz cx="12192000" cy="6858000"/>
   <p:notesSz cx="6858000" cy="9144000"/>
+  <p:embeddedFontLst>
+    <p:embeddedFont>
+      <p:font typeface="나눔고딕 Light" panose="020D0904000000000000" pitchFamily="50" charset="-127"/>
+      <p:regular r:id="rId40"/>
+    </p:embeddedFont>
+    <p:embeddedFont>
+      <p:font typeface="맑은 고딕" panose="020B0503020000020004" pitchFamily="50" charset="-127"/>
+      <p:regular r:id="rId41"/>
+      <p:bold r:id="rId42"/>
+    </p:embeddedFont>
+    <p:embeddedFont>
+      <p:font typeface="Consolas" panose="020B0609020204030204" pitchFamily="49" charset="0"/>
+      <p:regular r:id="rId43"/>
+      <p:bold r:id="rId44"/>
+      <p:italic r:id="rId45"/>
+      <p:boldItalic r:id="rId46"/>
+    </p:embeddedFont>
+  </p:embeddedFontLst>
   <p:defaultTextStyle>
     <a:defPPr>
       <a:defRPr lang="ko-KR"/>
@@ -296,7 +314,7 @@
           <a:p>
             <a:fld id="{3BAD717E-5B48-41D6-98B3-DB23E84BF0BC}" type="datetimeFigureOut">
               <a:rPr lang="ko-KR" altLang="en-US" smtClean="0"/>
-              <a:t>2021-07-29</a:t>
+              <a:t>2021-08-02</a:t>
             </a:fld>
             <a:endParaRPr lang="ko-KR" altLang="en-US"/>
           </a:p>
@@ -494,7 +512,7 @@
           <a:p>
             <a:fld id="{3BAD717E-5B48-41D6-98B3-DB23E84BF0BC}" type="datetimeFigureOut">
               <a:rPr lang="ko-KR" altLang="en-US" smtClean="0"/>
-              <a:t>2021-07-29</a:t>
+              <a:t>2021-08-02</a:t>
             </a:fld>
             <a:endParaRPr lang="ko-KR" altLang="en-US"/>
           </a:p>
@@ -702,7 +720,7 @@
           <a:p>
             <a:fld id="{3BAD717E-5B48-41D6-98B3-DB23E84BF0BC}" type="datetimeFigureOut">
               <a:rPr lang="ko-KR" altLang="en-US" smtClean="0"/>
-              <a:t>2021-07-29</a:t>
+              <a:t>2021-08-02</a:t>
             </a:fld>
             <a:endParaRPr lang="ko-KR" altLang="en-US"/>
           </a:p>
@@ -900,7 +918,7 @@
           <a:p>
             <a:fld id="{3BAD717E-5B48-41D6-98B3-DB23E84BF0BC}" type="datetimeFigureOut">
               <a:rPr lang="ko-KR" altLang="en-US" smtClean="0"/>
-              <a:t>2021-07-29</a:t>
+              <a:t>2021-08-02</a:t>
             </a:fld>
             <a:endParaRPr lang="ko-KR" altLang="en-US"/>
           </a:p>
@@ -1175,7 +1193,7 @@
           <a:p>
             <a:fld id="{3BAD717E-5B48-41D6-98B3-DB23E84BF0BC}" type="datetimeFigureOut">
               <a:rPr lang="ko-KR" altLang="en-US" smtClean="0"/>
-              <a:t>2021-07-29</a:t>
+              <a:t>2021-08-02</a:t>
             </a:fld>
             <a:endParaRPr lang="ko-KR" altLang="en-US"/>
           </a:p>
@@ -1440,7 +1458,7 @@
           <a:p>
             <a:fld id="{3BAD717E-5B48-41D6-98B3-DB23E84BF0BC}" type="datetimeFigureOut">
               <a:rPr lang="ko-KR" altLang="en-US" smtClean="0"/>
-              <a:t>2021-07-29</a:t>
+              <a:t>2021-08-02</a:t>
             </a:fld>
             <a:endParaRPr lang="ko-KR" altLang="en-US"/>
           </a:p>
@@ -1852,7 +1870,7 @@
           <a:p>
             <a:fld id="{3BAD717E-5B48-41D6-98B3-DB23E84BF0BC}" type="datetimeFigureOut">
               <a:rPr lang="ko-KR" altLang="en-US" smtClean="0"/>
-              <a:t>2021-07-29</a:t>
+              <a:t>2021-08-02</a:t>
             </a:fld>
             <a:endParaRPr lang="ko-KR" altLang="en-US"/>
           </a:p>
@@ -1993,7 +2011,7 @@
           <a:p>
             <a:fld id="{3BAD717E-5B48-41D6-98B3-DB23E84BF0BC}" type="datetimeFigureOut">
               <a:rPr lang="ko-KR" altLang="en-US" smtClean="0"/>
-              <a:t>2021-07-29</a:t>
+              <a:t>2021-08-02</a:t>
             </a:fld>
             <a:endParaRPr lang="ko-KR" altLang="en-US"/>
           </a:p>
@@ -2106,7 +2124,7 @@
           <a:p>
             <a:fld id="{3BAD717E-5B48-41D6-98B3-DB23E84BF0BC}" type="datetimeFigureOut">
               <a:rPr lang="ko-KR" altLang="en-US" smtClean="0"/>
-              <a:t>2021-07-29</a:t>
+              <a:t>2021-08-02</a:t>
             </a:fld>
             <a:endParaRPr lang="ko-KR" altLang="en-US"/>
           </a:p>
@@ -2417,7 +2435,7 @@
           <a:p>
             <a:fld id="{3BAD717E-5B48-41D6-98B3-DB23E84BF0BC}" type="datetimeFigureOut">
               <a:rPr lang="ko-KR" altLang="en-US" smtClean="0"/>
-              <a:t>2021-07-29</a:t>
+              <a:t>2021-08-02</a:t>
             </a:fld>
             <a:endParaRPr lang="ko-KR" altLang="en-US"/>
           </a:p>
@@ -2705,7 +2723,7 @@
           <a:p>
             <a:fld id="{3BAD717E-5B48-41D6-98B3-DB23E84BF0BC}" type="datetimeFigureOut">
               <a:rPr lang="ko-KR" altLang="en-US" smtClean="0"/>
-              <a:t>2021-07-29</a:t>
+              <a:t>2021-08-02</a:t>
             </a:fld>
             <a:endParaRPr lang="ko-KR" altLang="en-US"/>
           </a:p>
@@ -2946,7 +2964,7 @@
           <a:p>
             <a:fld id="{3BAD717E-5B48-41D6-98B3-DB23E84BF0BC}" type="datetimeFigureOut">
               <a:rPr lang="ko-KR" altLang="en-US" smtClean="0"/>
-              <a:t>2021-07-29</a:t>
+              <a:t>2021-08-02</a:t>
             </a:fld>
             <a:endParaRPr lang="ko-KR" altLang="en-US"/>
           </a:p>

--- a/수업 자료/4 - C++ STL.pptx
+++ b/수업 자료/4 - C++ STL.pptx
@@ -40,28 +40,26 @@
     <p:sldId id="337" r:id="rId34"/>
     <p:sldId id="338" r:id="rId35"/>
     <p:sldId id="339" r:id="rId36"/>
-    <p:sldId id="270" r:id="rId37"/>
-    <p:sldId id="305" r:id="rId38"/>
-    <p:sldId id="306" r:id="rId39"/>
+    <p:sldId id="306" r:id="rId37"/>
   </p:sldIdLst>
   <p:sldSz cx="12192000" cy="6858000"/>
   <p:notesSz cx="6858000" cy="9144000"/>
   <p:embeddedFontLst>
     <p:embeddedFont>
+      <p:font typeface="Consolas" panose="020B0609020204030204" pitchFamily="49" charset="0"/>
+      <p:regular r:id="rId38"/>
+      <p:bold r:id="rId39"/>
+      <p:italic r:id="rId40"/>
+      <p:boldItalic r:id="rId41"/>
+    </p:embeddedFont>
+    <p:embeddedFont>
       <p:font typeface="나눔고딕 Light" panose="020D0904000000000000" pitchFamily="50" charset="-127"/>
-      <p:regular r:id="rId40"/>
+      <p:regular r:id="rId42"/>
     </p:embeddedFont>
     <p:embeddedFont>
       <p:font typeface="맑은 고딕" panose="020B0503020000020004" pitchFamily="50" charset="-127"/>
-      <p:regular r:id="rId41"/>
-      <p:bold r:id="rId42"/>
-    </p:embeddedFont>
-    <p:embeddedFont>
-      <p:font typeface="Consolas" panose="020B0609020204030204" pitchFamily="49" charset="0"/>
       <p:regular r:id="rId43"/>
       <p:bold r:id="rId44"/>
-      <p:italic r:id="rId45"/>
-      <p:boldItalic r:id="rId46"/>
     </p:embeddedFont>
   </p:embeddedFontLst>
   <p:defaultTextStyle>
@@ -314,7 +312,7 @@
           <a:p>
             <a:fld id="{3BAD717E-5B48-41D6-98B3-DB23E84BF0BC}" type="datetimeFigureOut">
               <a:rPr lang="ko-KR" altLang="en-US" smtClean="0"/>
-              <a:t>2021-08-02</a:t>
+              <a:t>2021-08-05</a:t>
             </a:fld>
             <a:endParaRPr lang="ko-KR" altLang="en-US"/>
           </a:p>
@@ -512,7 +510,7 @@
           <a:p>
             <a:fld id="{3BAD717E-5B48-41D6-98B3-DB23E84BF0BC}" type="datetimeFigureOut">
               <a:rPr lang="ko-KR" altLang="en-US" smtClean="0"/>
-              <a:t>2021-08-02</a:t>
+              <a:t>2021-08-05</a:t>
             </a:fld>
             <a:endParaRPr lang="ko-KR" altLang="en-US"/>
           </a:p>
@@ -720,7 +718,7 @@
           <a:p>
             <a:fld id="{3BAD717E-5B48-41D6-98B3-DB23E84BF0BC}" type="datetimeFigureOut">
               <a:rPr lang="ko-KR" altLang="en-US" smtClean="0"/>
-              <a:t>2021-08-02</a:t>
+              <a:t>2021-08-05</a:t>
             </a:fld>
             <a:endParaRPr lang="ko-KR" altLang="en-US"/>
           </a:p>
@@ -918,7 +916,7 @@
           <a:p>
             <a:fld id="{3BAD717E-5B48-41D6-98B3-DB23E84BF0BC}" type="datetimeFigureOut">
               <a:rPr lang="ko-KR" altLang="en-US" smtClean="0"/>
-              <a:t>2021-08-02</a:t>
+              <a:t>2021-08-05</a:t>
             </a:fld>
             <a:endParaRPr lang="ko-KR" altLang="en-US"/>
           </a:p>
@@ -1193,7 +1191,7 @@
           <a:p>
             <a:fld id="{3BAD717E-5B48-41D6-98B3-DB23E84BF0BC}" type="datetimeFigureOut">
               <a:rPr lang="ko-KR" altLang="en-US" smtClean="0"/>
-              <a:t>2021-08-02</a:t>
+              <a:t>2021-08-05</a:t>
             </a:fld>
             <a:endParaRPr lang="ko-KR" altLang="en-US"/>
           </a:p>
@@ -1458,7 +1456,7 @@
           <a:p>
             <a:fld id="{3BAD717E-5B48-41D6-98B3-DB23E84BF0BC}" type="datetimeFigureOut">
               <a:rPr lang="ko-KR" altLang="en-US" smtClean="0"/>
-              <a:t>2021-08-02</a:t>
+              <a:t>2021-08-05</a:t>
             </a:fld>
             <a:endParaRPr lang="ko-KR" altLang="en-US"/>
           </a:p>
@@ -1870,7 +1868,7 @@
           <a:p>
             <a:fld id="{3BAD717E-5B48-41D6-98B3-DB23E84BF0BC}" type="datetimeFigureOut">
               <a:rPr lang="ko-KR" altLang="en-US" smtClean="0"/>
-              <a:t>2021-08-02</a:t>
+              <a:t>2021-08-05</a:t>
             </a:fld>
             <a:endParaRPr lang="ko-KR" altLang="en-US"/>
           </a:p>
@@ -2011,7 +2009,7 @@
           <a:p>
             <a:fld id="{3BAD717E-5B48-41D6-98B3-DB23E84BF0BC}" type="datetimeFigureOut">
               <a:rPr lang="ko-KR" altLang="en-US" smtClean="0"/>
-              <a:t>2021-08-02</a:t>
+              <a:t>2021-08-05</a:t>
             </a:fld>
             <a:endParaRPr lang="ko-KR" altLang="en-US"/>
           </a:p>
@@ -2124,7 +2122,7 @@
           <a:p>
             <a:fld id="{3BAD717E-5B48-41D6-98B3-DB23E84BF0BC}" type="datetimeFigureOut">
               <a:rPr lang="ko-KR" altLang="en-US" smtClean="0"/>
-              <a:t>2021-08-02</a:t>
+              <a:t>2021-08-05</a:t>
             </a:fld>
             <a:endParaRPr lang="ko-KR" altLang="en-US"/>
           </a:p>
@@ -2435,7 +2433,7 @@
           <a:p>
             <a:fld id="{3BAD717E-5B48-41D6-98B3-DB23E84BF0BC}" type="datetimeFigureOut">
               <a:rPr lang="ko-KR" altLang="en-US" smtClean="0"/>
-              <a:t>2021-08-02</a:t>
+              <a:t>2021-08-05</a:t>
             </a:fld>
             <a:endParaRPr lang="ko-KR" altLang="en-US"/>
           </a:p>
@@ -2723,7 +2721,7 @@
           <a:p>
             <a:fld id="{3BAD717E-5B48-41D6-98B3-DB23E84BF0BC}" type="datetimeFigureOut">
               <a:rPr lang="ko-KR" altLang="en-US" smtClean="0"/>
-              <a:t>2021-08-02</a:t>
+              <a:t>2021-08-05</a:t>
             </a:fld>
             <a:endParaRPr lang="ko-KR" altLang="en-US"/>
           </a:p>
@@ -2964,7 +2962,7 @@
           <a:p>
             <a:fld id="{3BAD717E-5B48-41D6-98B3-DB23E84BF0BC}" type="datetimeFigureOut">
               <a:rPr lang="ko-KR" altLang="en-US" smtClean="0"/>
-              <a:t>2021-08-02</a:t>
+              <a:t>2021-08-05</a:t>
             </a:fld>
             <a:endParaRPr lang="ko-KR" altLang="en-US"/>
           </a:p>
@@ -24440,630 +24438,6 @@
         </p:nvSpPr>
         <p:spPr>
           <a:xfrm>
-            <a:off x="5207777" y="2629032"/>
-            <a:ext cx="1776448" cy="707886"/>
-          </a:xfrm>
-          <a:prstGeom prst="rect">
-            <a:avLst/>
-          </a:prstGeom>
-          <a:noFill/>
-        </p:spPr>
-        <p:txBody>
-          <a:bodyPr wrap="none" rtlCol="0">
-            <a:spAutoFit/>
-          </a:bodyPr>
-          <a:lstStyle/>
-          <a:p>
-            <a:pPr algn="ctr"/>
-            <a:r>
-              <a:rPr lang="ko-KR" altLang="en-US" sz="4000">
-                <a:latin typeface="나눔고딕 Light" panose="020D0904000000000000" pitchFamily="50" charset="-127"/>
-                <a:ea typeface="나눔고딕 Light" panose="020D0904000000000000" pitchFamily="50" charset="-127"/>
-              </a:rPr>
-              <a:t>수업 끝</a:t>
-            </a:r>
-          </a:p>
-        </p:txBody>
-      </p:sp>
-      <p:sp>
-        <p:nvSpPr>
-          <p:cNvPr id="3" name="TextBox 2">
-            <a:extLst>
-              <a:ext uri="{FF2B5EF4-FFF2-40B4-BE49-F238E27FC236}">
-                <a16:creationId xmlns:a16="http://schemas.microsoft.com/office/drawing/2014/main" id="{3D4DB731-0D09-4D43-B30D-F113660223A3}"/>
-              </a:ext>
-            </a:extLst>
-          </p:cNvPr>
-          <p:cNvSpPr txBox="1"/>
-          <p:nvPr/>
-        </p:nvSpPr>
-        <p:spPr>
-          <a:xfrm>
-            <a:off x="3595155" y="3336918"/>
-            <a:ext cx="1473480" cy="400110"/>
-          </a:xfrm>
-          <a:prstGeom prst="rect">
-            <a:avLst/>
-          </a:prstGeom>
-          <a:noFill/>
-        </p:spPr>
-        <p:txBody>
-          <a:bodyPr wrap="none" rtlCol="0">
-            <a:spAutoFit/>
-          </a:bodyPr>
-          <a:lstStyle/>
-          <a:p>
-            <a:r>
-              <a:rPr lang="en-US" altLang="ko-KR" sz="2000">
-                <a:latin typeface="나눔고딕 Light" panose="020D0904000000000000" pitchFamily="50" charset="-127"/>
-                <a:ea typeface="나눔고딕 Light" panose="020D0904000000000000" pitchFamily="50" charset="-127"/>
-              </a:rPr>
-              <a:t>4. C++ STL</a:t>
-            </a:r>
-          </a:p>
-        </p:txBody>
-      </p:sp>
-      <p:cxnSp>
-        <p:nvCxnSpPr>
-          <p:cNvPr id="4" name="직선 연결선 3">
-            <a:extLst>
-              <a:ext uri="{FF2B5EF4-FFF2-40B4-BE49-F238E27FC236}">
-                <a16:creationId xmlns:a16="http://schemas.microsoft.com/office/drawing/2014/main" id="{7442459B-3DED-44F0-9E4C-B50601FEB425}"/>
-              </a:ext>
-            </a:extLst>
-          </p:cNvPr>
-          <p:cNvCxnSpPr/>
-          <p:nvPr/>
-        </p:nvCxnSpPr>
-        <p:spPr>
-          <a:xfrm>
-            <a:off x="3642861" y="3328967"/>
-            <a:ext cx="4858247" cy="0"/>
-          </a:xfrm>
-          <a:prstGeom prst="line">
-            <a:avLst/>
-          </a:prstGeom>
-          <a:ln>
-            <a:solidFill>
-              <a:schemeClr val="tx1"/>
-            </a:solidFill>
-          </a:ln>
-        </p:spPr>
-        <p:style>
-          <a:lnRef idx="1">
-            <a:schemeClr val="accent1"/>
-          </a:lnRef>
-          <a:fillRef idx="0">
-            <a:schemeClr val="accent1"/>
-          </a:fillRef>
-          <a:effectRef idx="0">
-            <a:schemeClr val="accent1"/>
-          </a:effectRef>
-          <a:fontRef idx="minor">
-            <a:schemeClr val="tx1"/>
-          </a:fontRef>
-        </p:style>
-      </p:cxnSp>
-    </p:spTree>
-    <p:extLst>
-      <p:ext uri="{BB962C8B-B14F-4D97-AF65-F5344CB8AC3E}">
-        <p14:creationId xmlns:p14="http://schemas.microsoft.com/office/powerpoint/2010/main" val="297037247"/>
-      </p:ext>
-    </p:extLst>
-  </p:cSld>
-  <p:clrMapOvr>
-    <a:masterClrMapping/>
-  </p:clrMapOvr>
-</p:sld>
-</file>
-
-<file path=ppt/slides/slide37.xml><?xml version="1.0" encoding="utf-8"?>
-<p:sld xmlns:a="http://schemas.openxmlformats.org/drawingml/2006/main" xmlns:r="http://schemas.openxmlformats.org/officeDocument/2006/relationships" xmlns:p="http://schemas.openxmlformats.org/presentationml/2006/main">
-  <p:cSld>
-    <p:spTree>
-      <p:nvGrpSpPr>
-        <p:cNvPr id="1" name=""/>
-        <p:cNvGrpSpPr/>
-        <p:nvPr/>
-      </p:nvGrpSpPr>
-      <p:grpSpPr>
-        <a:xfrm>
-          <a:off x="0" y="0"/>
-          <a:ext cx="0" cy="0"/>
-          <a:chOff x="0" y="0"/>
-          <a:chExt cx="0" cy="0"/>
-        </a:xfrm>
-      </p:grpSpPr>
-      <p:grpSp>
-        <p:nvGrpSpPr>
-          <p:cNvPr id="13" name="그룹 12">
-            <a:extLst>
-              <a:ext uri="{FF2B5EF4-FFF2-40B4-BE49-F238E27FC236}">
-                <a16:creationId xmlns:a16="http://schemas.microsoft.com/office/drawing/2014/main" id="{1B38232E-B195-4659-A498-9F3BC9A92F9C}"/>
-              </a:ext>
-            </a:extLst>
-          </p:cNvPr>
-          <p:cNvGrpSpPr/>
-          <p:nvPr/>
-        </p:nvGrpSpPr>
-        <p:grpSpPr>
-          <a:xfrm>
-            <a:off x="585195" y="602369"/>
-            <a:ext cx="6392818" cy="1418209"/>
-            <a:chOff x="585195" y="602369"/>
-            <a:chExt cx="6392818" cy="1418209"/>
-          </a:xfrm>
-        </p:grpSpPr>
-        <p:grpSp>
-          <p:nvGrpSpPr>
-            <p:cNvPr id="2" name="그룹 1">
-              <a:extLst>
-                <a:ext uri="{FF2B5EF4-FFF2-40B4-BE49-F238E27FC236}">
-                  <a16:creationId xmlns:a16="http://schemas.microsoft.com/office/drawing/2014/main" id="{12A41C93-712B-47EC-A47C-A276B2DE9A6D}"/>
-                </a:ext>
-              </a:extLst>
-            </p:cNvPr>
-            <p:cNvGrpSpPr/>
-            <p:nvPr/>
-          </p:nvGrpSpPr>
-          <p:grpSpPr>
-            <a:xfrm>
-              <a:off x="585195" y="602369"/>
-              <a:ext cx="5989460" cy="1418209"/>
-              <a:chOff x="585195" y="602369"/>
-              <a:chExt cx="5989460" cy="1418209"/>
-            </a:xfrm>
-          </p:grpSpPr>
-          <p:sp>
-            <p:nvSpPr>
-              <p:cNvPr id="6" name="TextBox 5">
-                <a:extLst>
-                  <a:ext uri="{FF2B5EF4-FFF2-40B4-BE49-F238E27FC236}">
-                    <a16:creationId xmlns:a16="http://schemas.microsoft.com/office/drawing/2014/main" id="{F453C929-8CA3-4E79-AF5D-99EC8407C6CF}"/>
-                  </a:ext>
-                </a:extLst>
-              </p:cNvPr>
-              <p:cNvSpPr txBox="1"/>
-              <p:nvPr/>
-            </p:nvSpPr>
-            <p:spPr>
-              <a:xfrm>
-                <a:off x="5617342" y="602369"/>
-                <a:ext cx="957313" cy="584775"/>
-              </a:xfrm>
-              <a:prstGeom prst="rect">
-                <a:avLst/>
-              </a:prstGeom>
-              <a:noFill/>
-            </p:spPr>
-            <p:txBody>
-              <a:bodyPr wrap="none" rtlCol="0">
-                <a:spAutoFit/>
-              </a:bodyPr>
-              <a:lstStyle/>
-              <a:p>
-                <a:pPr algn="ctr"/>
-                <a:r>
-                  <a:rPr lang="ko-KR" altLang="en-US" sz="3200">
-                    <a:latin typeface="나눔고딕 Light" panose="020D0904000000000000" pitchFamily="50" charset="-127"/>
-                    <a:ea typeface="나눔고딕 Light" panose="020D0904000000000000" pitchFamily="50" charset="-127"/>
-                  </a:rPr>
-                  <a:t>과제</a:t>
-                </a:r>
-              </a:p>
-            </p:txBody>
-          </p:sp>
-          <p:sp>
-            <p:nvSpPr>
-              <p:cNvPr id="3" name="TextBox 2">
-                <a:extLst>
-                  <a:ext uri="{FF2B5EF4-FFF2-40B4-BE49-F238E27FC236}">
-                    <a16:creationId xmlns:a16="http://schemas.microsoft.com/office/drawing/2014/main" id="{3D4DB731-0D09-4D43-B30D-F113660223A3}"/>
-                  </a:ext>
-                </a:extLst>
-              </p:cNvPr>
-              <p:cNvSpPr txBox="1"/>
-              <p:nvPr/>
-            </p:nvSpPr>
-            <p:spPr>
-              <a:xfrm>
-                <a:off x="585195" y="1620468"/>
-                <a:ext cx="3927678" cy="400110"/>
-              </a:xfrm>
-              <a:prstGeom prst="rect">
-                <a:avLst/>
-              </a:prstGeom>
-              <a:noFill/>
-            </p:spPr>
-            <p:txBody>
-              <a:bodyPr wrap="none" rtlCol="0">
-                <a:spAutoFit/>
-              </a:bodyPr>
-              <a:lstStyle/>
-              <a:p>
-                <a:pPr marL="457200" indent="-457200">
-                  <a:buAutoNum type="arabicPeriod"/>
-                </a:pPr>
-                <a:r>
-                  <a:rPr lang="ko-KR" altLang="en-US" sz="2000">
-                    <a:latin typeface="나눔고딕 Light" panose="020D0904000000000000" pitchFamily="50" charset="-127"/>
-                    <a:ea typeface="나눔고딕 Light" panose="020D0904000000000000" pitchFamily="50" charset="-127"/>
-                  </a:rPr>
-                  <a:t>없음 </a:t>
-                </a:r>
-                <a:r>
-                  <a:rPr lang="en-US" altLang="ko-KR" sz="2000">
-                    <a:latin typeface="나눔고딕 Light" panose="020D0904000000000000" pitchFamily="50" charset="-127"/>
-                    <a:ea typeface="나눔고딕 Light" panose="020D0904000000000000" pitchFamily="50" charset="-127"/>
-                  </a:rPr>
-                  <a:t>(STL</a:t>
-                </a:r>
-                <a:r>
-                  <a:rPr lang="ko-KR" altLang="en-US" sz="2000">
-                    <a:latin typeface="나눔고딕 Light" panose="020D0904000000000000" pitchFamily="50" charset="-127"/>
-                    <a:ea typeface="나눔고딕 Light" panose="020D0904000000000000" pitchFamily="50" charset="-127"/>
-                  </a:rPr>
-                  <a:t>로 놀아보기 추천함</a:t>
-                </a:r>
-                <a:r>
-                  <a:rPr lang="en-US" altLang="ko-KR" sz="2000">
-                    <a:latin typeface="나눔고딕 Light" panose="020D0904000000000000" pitchFamily="50" charset="-127"/>
-                    <a:ea typeface="나눔고딕 Light" panose="020D0904000000000000" pitchFamily="50" charset="-127"/>
-                  </a:rPr>
-                  <a:t>)</a:t>
-                </a:r>
-              </a:p>
-            </p:txBody>
-          </p:sp>
-        </p:grpSp>
-        <p:cxnSp>
-          <p:nvCxnSpPr>
-            <p:cNvPr id="4" name="직선 연결선 3">
-              <a:extLst>
-                <a:ext uri="{FF2B5EF4-FFF2-40B4-BE49-F238E27FC236}">
-                  <a16:creationId xmlns:a16="http://schemas.microsoft.com/office/drawing/2014/main" id="{7442459B-3DED-44F0-9E4C-B50601FEB425}"/>
-                </a:ext>
-              </a:extLst>
-            </p:cNvPr>
-            <p:cNvCxnSpPr>
-              <a:cxnSpLocks/>
-            </p:cNvCxnSpPr>
-            <p:nvPr/>
-          </p:nvCxnSpPr>
-          <p:spPr>
-            <a:xfrm>
-              <a:off x="5213987" y="1221148"/>
-              <a:ext cx="1764026" cy="0"/>
-            </a:xfrm>
-            <a:prstGeom prst="line">
-              <a:avLst/>
-            </a:prstGeom>
-            <a:ln>
-              <a:solidFill>
-                <a:schemeClr val="tx1"/>
-              </a:solidFill>
-            </a:ln>
-          </p:spPr>
-          <p:style>
-            <a:lnRef idx="1">
-              <a:schemeClr val="accent1"/>
-            </a:lnRef>
-            <a:fillRef idx="0">
-              <a:schemeClr val="accent1"/>
-            </a:fillRef>
-            <a:effectRef idx="0">
-              <a:schemeClr val="accent1"/>
-            </a:effectRef>
-            <a:fontRef idx="minor">
-              <a:schemeClr val="tx1"/>
-            </a:fontRef>
-          </p:style>
-        </p:cxnSp>
-      </p:grpSp>
-      <p:grpSp>
-        <p:nvGrpSpPr>
-          <p:cNvPr id="14" name="그룹 13">
-            <a:extLst>
-              <a:ext uri="{FF2B5EF4-FFF2-40B4-BE49-F238E27FC236}">
-                <a16:creationId xmlns:a16="http://schemas.microsoft.com/office/drawing/2014/main" id="{62E89A34-C4F2-48C5-BF28-9CB34E449E8B}"/>
-              </a:ext>
-            </a:extLst>
-          </p:cNvPr>
-          <p:cNvGrpSpPr/>
-          <p:nvPr/>
-        </p:nvGrpSpPr>
-        <p:grpSpPr>
-          <a:xfrm>
-            <a:off x="585194" y="3429000"/>
-            <a:ext cx="7330853" cy="2033762"/>
-            <a:chOff x="585195" y="602369"/>
-            <a:chExt cx="7330853" cy="2033762"/>
-          </a:xfrm>
-        </p:grpSpPr>
-        <p:grpSp>
-          <p:nvGrpSpPr>
-            <p:cNvPr id="15" name="그룹 14">
-              <a:extLst>
-                <a:ext uri="{FF2B5EF4-FFF2-40B4-BE49-F238E27FC236}">
-                  <a16:creationId xmlns:a16="http://schemas.microsoft.com/office/drawing/2014/main" id="{883FC8E4-9E13-4F13-B983-F9B2DB686DAA}"/>
-                </a:ext>
-              </a:extLst>
-            </p:cNvPr>
-            <p:cNvGrpSpPr/>
-            <p:nvPr/>
-          </p:nvGrpSpPr>
-          <p:grpSpPr>
-            <a:xfrm>
-              <a:off x="585195" y="602369"/>
-              <a:ext cx="7330853" cy="2033762"/>
-              <a:chOff x="585195" y="602369"/>
-              <a:chExt cx="7330853" cy="2033762"/>
-            </a:xfrm>
-          </p:grpSpPr>
-          <p:sp>
-            <p:nvSpPr>
-              <p:cNvPr id="17" name="TextBox 16">
-                <a:extLst>
-                  <a:ext uri="{FF2B5EF4-FFF2-40B4-BE49-F238E27FC236}">
-                    <a16:creationId xmlns:a16="http://schemas.microsoft.com/office/drawing/2014/main" id="{A8703623-F53C-4D52-9936-69B036009793}"/>
-                  </a:ext>
-                </a:extLst>
-              </p:cNvPr>
-              <p:cNvSpPr txBox="1"/>
-              <p:nvPr/>
-            </p:nvSpPr>
-            <p:spPr>
-              <a:xfrm>
-                <a:off x="5173310" y="602369"/>
-                <a:ext cx="1845377" cy="584775"/>
-              </a:xfrm>
-              <a:prstGeom prst="rect">
-                <a:avLst/>
-              </a:prstGeom>
-              <a:noFill/>
-            </p:spPr>
-            <p:txBody>
-              <a:bodyPr wrap="none" rtlCol="0">
-                <a:spAutoFit/>
-              </a:bodyPr>
-              <a:lstStyle/>
-              <a:p>
-                <a:pPr algn="ctr"/>
-                <a:r>
-                  <a:rPr lang="ko-KR" altLang="en-US" sz="3200">
-                    <a:latin typeface="나눔고딕 Light" panose="020D0904000000000000" pitchFamily="50" charset="-127"/>
-                    <a:ea typeface="나눔고딕 Light" panose="020D0904000000000000" pitchFamily="50" charset="-127"/>
-                  </a:rPr>
-                  <a:t>선택 과제</a:t>
-                </a:r>
-              </a:p>
-            </p:txBody>
-          </p:sp>
-          <p:sp>
-            <p:nvSpPr>
-              <p:cNvPr id="18" name="TextBox 17">
-                <a:extLst>
-                  <a:ext uri="{FF2B5EF4-FFF2-40B4-BE49-F238E27FC236}">
-                    <a16:creationId xmlns:a16="http://schemas.microsoft.com/office/drawing/2014/main" id="{C867A680-2C25-4AD9-9DFB-8A3D721B95E1}"/>
-                  </a:ext>
-                </a:extLst>
-              </p:cNvPr>
-              <p:cNvSpPr txBox="1"/>
-              <p:nvPr/>
-            </p:nvSpPr>
-            <p:spPr>
-              <a:xfrm>
-                <a:off x="585195" y="1620468"/>
-                <a:ext cx="7330853" cy="1015663"/>
-              </a:xfrm>
-              <a:prstGeom prst="rect">
-                <a:avLst/>
-              </a:prstGeom>
-              <a:noFill/>
-            </p:spPr>
-            <p:txBody>
-              <a:bodyPr wrap="none" rtlCol="0">
-                <a:spAutoFit/>
-              </a:bodyPr>
-              <a:lstStyle/>
-              <a:p>
-                <a:pPr marL="457200" indent="-457200">
-                  <a:buAutoNum type="arabicPeriod"/>
-                </a:pPr>
-                <a:r>
-                  <a:rPr lang="ko-KR" altLang="en-US" sz="2000">
-                    <a:latin typeface="나눔고딕 Light" panose="020D0904000000000000" pitchFamily="50" charset="-127"/>
-                    <a:ea typeface="나눔고딕 Light" panose="020D0904000000000000" pitchFamily="50" charset="-127"/>
-                  </a:rPr>
-                  <a:t>어제 과제인 연결 리스트 클래스 구현</a:t>
-                </a:r>
-                <a:endParaRPr lang="en-US" altLang="ko-KR" sz="2000">
-                  <a:latin typeface="나눔고딕 Light" panose="020D0904000000000000" pitchFamily="50" charset="-127"/>
-                  <a:ea typeface="나눔고딕 Light" panose="020D0904000000000000" pitchFamily="50" charset="-127"/>
-                </a:endParaRPr>
-              </a:p>
-              <a:p>
-                <a:pPr marL="457200" indent="-457200">
-                  <a:buAutoNum type="arabicPeriod"/>
-                </a:pPr>
-                <a:r>
-                  <a:rPr lang="ko-KR" altLang="en-US" sz="2000">
-                    <a:latin typeface="나눔고딕 Light" panose="020D0904000000000000" pitchFamily="50" charset="-127"/>
-                    <a:ea typeface="나눔고딕 Light" panose="020D0904000000000000" pitchFamily="50" charset="-127"/>
-                  </a:rPr>
-                  <a:t>연결 리스트 클래스의 이터레이터 구현 </a:t>
-                </a:r>
-                <a:r>
-                  <a:rPr lang="en-US" altLang="ko-KR" sz="2000">
-                    <a:latin typeface="나눔고딕 Light" panose="020D0904000000000000" pitchFamily="50" charset="-127"/>
-                    <a:ea typeface="나눔고딕 Light" panose="020D0904000000000000" pitchFamily="50" charset="-127"/>
-                  </a:rPr>
-                  <a:t>(</a:t>
-                </a:r>
-                <a:r>
-                  <a:rPr lang="ko-KR" altLang="en-US" sz="2000">
-                    <a:latin typeface="나눔고딕 Light" panose="020D0904000000000000" pitchFamily="50" charset="-127"/>
-                    <a:ea typeface="나눔고딕 Light" panose="020D0904000000000000" pitchFamily="50" charset="-127"/>
-                  </a:rPr>
-                  <a:t>시작</a:t>
-                </a:r>
-                <a:r>
-                  <a:rPr lang="en-US" altLang="ko-KR" sz="2000">
-                    <a:latin typeface="나눔고딕 Light" panose="020D0904000000000000" pitchFamily="50" charset="-127"/>
-                    <a:ea typeface="나눔고딕 Light" panose="020D0904000000000000" pitchFamily="50" charset="-127"/>
-                  </a:rPr>
-                  <a:t>, </a:t>
-                </a:r>
-                <a:r>
-                  <a:rPr lang="ko-KR" altLang="en-US" sz="2000">
-                    <a:latin typeface="나눔고딕 Light" panose="020D0904000000000000" pitchFamily="50" charset="-127"/>
-                    <a:ea typeface="나눔고딕 Light" panose="020D0904000000000000" pitchFamily="50" charset="-127"/>
-                  </a:rPr>
-                  <a:t>끝</a:t>
-                </a:r>
-                <a:r>
-                  <a:rPr lang="en-US" altLang="ko-KR" sz="2000">
-                    <a:latin typeface="나눔고딕 Light" panose="020D0904000000000000" pitchFamily="50" charset="-127"/>
-                    <a:ea typeface="나눔고딕 Light" panose="020D0904000000000000" pitchFamily="50" charset="-127"/>
-                  </a:rPr>
-                  <a:t>, </a:t>
-                </a:r>
-                <a:r>
-                  <a:rPr lang="ko-KR" altLang="en-US" sz="2000">
-                    <a:latin typeface="나눔고딕 Light" panose="020D0904000000000000" pitchFamily="50" charset="-127"/>
-                    <a:ea typeface="나눔고딕 Light" panose="020D0904000000000000" pitchFamily="50" charset="-127"/>
-                  </a:rPr>
-                  <a:t>비교</a:t>
-                </a:r>
-                <a:r>
-                  <a:rPr lang="en-US" altLang="ko-KR" sz="2000">
-                    <a:latin typeface="나눔고딕 Light" panose="020D0904000000000000" pitchFamily="50" charset="-127"/>
-                    <a:ea typeface="나눔고딕 Light" panose="020D0904000000000000" pitchFamily="50" charset="-127"/>
-                  </a:rPr>
-                  <a:t>, ++, *)</a:t>
-                </a:r>
-              </a:p>
-              <a:p>
-                <a:pPr marL="457200" indent="-457200">
-                  <a:buAutoNum type="arabicPeriod"/>
-                </a:pPr>
-                <a:r>
-                  <a:rPr lang="ko-KR" altLang="en-US" sz="2000">
-                    <a:latin typeface="나눔고딕 Light" panose="020D0904000000000000" pitchFamily="50" charset="-127"/>
-                    <a:ea typeface="나눔고딕 Light" panose="020D0904000000000000" pitchFamily="50" charset="-127"/>
-                  </a:rPr>
-                  <a:t>이터레이터를 사용하여 </a:t>
-                </a:r>
-                <a:r>
-                  <a:rPr lang="en-US" altLang="ko-KR" sz="2000">
-                    <a:latin typeface="나눔고딕 Light" panose="020D0904000000000000" pitchFamily="50" charset="-127"/>
-                    <a:ea typeface="나눔고딕 Light" panose="020D0904000000000000" pitchFamily="50" charset="-127"/>
-                  </a:rPr>
-                  <a:t>foreach </a:t>
-                </a:r>
-                <a:r>
-                  <a:rPr lang="ko-KR" altLang="en-US" sz="2000">
-                    <a:latin typeface="나눔고딕 Light" panose="020D0904000000000000" pitchFamily="50" charset="-127"/>
-                    <a:ea typeface="나눔고딕 Light" panose="020D0904000000000000" pitchFamily="50" charset="-127"/>
-                  </a:rPr>
-                  <a:t>사용</a:t>
-                </a:r>
-                <a:endParaRPr lang="en-US" altLang="ko-KR" sz="2000">
-                  <a:latin typeface="나눔고딕 Light" panose="020D0904000000000000" pitchFamily="50" charset="-127"/>
-                  <a:ea typeface="나눔고딕 Light" panose="020D0904000000000000" pitchFamily="50" charset="-127"/>
-                </a:endParaRPr>
-              </a:p>
-            </p:txBody>
-          </p:sp>
-        </p:grpSp>
-        <p:cxnSp>
-          <p:nvCxnSpPr>
-            <p:cNvPr id="16" name="직선 연결선 15">
-              <a:extLst>
-                <a:ext uri="{FF2B5EF4-FFF2-40B4-BE49-F238E27FC236}">
-                  <a16:creationId xmlns:a16="http://schemas.microsoft.com/office/drawing/2014/main" id="{8A4FACF4-32C0-4500-8D12-F5C4F2F2A112}"/>
-                </a:ext>
-              </a:extLst>
-            </p:cNvPr>
-            <p:cNvCxnSpPr>
-              <a:cxnSpLocks/>
-            </p:cNvCxnSpPr>
-            <p:nvPr/>
-          </p:nvCxnSpPr>
-          <p:spPr>
-            <a:xfrm>
-              <a:off x="5213987" y="1221148"/>
-              <a:ext cx="1764026" cy="0"/>
-            </a:xfrm>
-            <a:prstGeom prst="line">
-              <a:avLst/>
-            </a:prstGeom>
-            <a:ln>
-              <a:solidFill>
-                <a:schemeClr val="tx1"/>
-              </a:solidFill>
-            </a:ln>
-          </p:spPr>
-          <p:style>
-            <a:lnRef idx="1">
-              <a:schemeClr val="accent1"/>
-            </a:lnRef>
-            <a:fillRef idx="0">
-              <a:schemeClr val="accent1"/>
-            </a:fillRef>
-            <a:effectRef idx="0">
-              <a:schemeClr val="accent1"/>
-            </a:effectRef>
-            <a:fontRef idx="minor">
-              <a:schemeClr val="tx1"/>
-            </a:fontRef>
-          </p:style>
-        </p:cxnSp>
-      </p:grpSp>
-    </p:spTree>
-    <p:extLst>
-      <p:ext uri="{BB962C8B-B14F-4D97-AF65-F5344CB8AC3E}">
-        <p14:creationId xmlns:p14="http://schemas.microsoft.com/office/powerpoint/2010/main" val="2465698924"/>
-      </p:ext>
-    </p:extLst>
-  </p:cSld>
-  <p:clrMapOvr>
-    <a:masterClrMapping/>
-  </p:clrMapOvr>
-</p:sld>
-</file>
-
-<file path=ppt/slides/slide38.xml><?xml version="1.0" encoding="utf-8"?>
-<p:sld xmlns:a="http://schemas.openxmlformats.org/drawingml/2006/main" xmlns:r="http://schemas.openxmlformats.org/officeDocument/2006/relationships" xmlns:p="http://schemas.openxmlformats.org/presentationml/2006/main">
-  <p:cSld>
-    <p:spTree>
-      <p:nvGrpSpPr>
-        <p:cNvPr id="1" name=""/>
-        <p:cNvGrpSpPr/>
-        <p:nvPr/>
-      </p:nvGrpSpPr>
-      <p:grpSpPr>
-        <a:xfrm>
-          <a:off x="0" y="0"/>
-          <a:ext cx="0" cy="0"/>
-          <a:chOff x="0" y="0"/>
-          <a:chExt cx="0" cy="0"/>
-        </a:xfrm>
-      </p:grpSpPr>
-      <p:sp>
-        <p:nvSpPr>
-          <p:cNvPr id="6" name="TextBox 5">
-            <a:extLst>
-              <a:ext uri="{FF2B5EF4-FFF2-40B4-BE49-F238E27FC236}">
-                <a16:creationId xmlns:a16="http://schemas.microsoft.com/office/drawing/2014/main" id="{F453C929-8CA3-4E79-AF5D-99EC8407C6CF}"/>
-              </a:ext>
-            </a:extLst>
-          </p:cNvPr>
-          <p:cNvSpPr txBox="1"/>
-          <p:nvPr/>
-        </p:nvSpPr>
-        <p:spPr>
-          <a:xfrm>
             <a:off x="5762416" y="2629032"/>
             <a:ext cx="667169" cy="707886"/>
           </a:xfrm>
@@ -29166,61 +28540,6 @@
               </a:rPr>
               <a:t>}</a:t>
             </a:r>
-          </a:p>
-        </p:txBody>
-      </p:sp>
-      <p:sp>
-        <p:nvSpPr>
-          <p:cNvPr id="7" name="다이아몬드 6">
-            <a:extLst>
-              <a:ext uri="{FF2B5EF4-FFF2-40B4-BE49-F238E27FC236}">
-                <a16:creationId xmlns:a16="http://schemas.microsoft.com/office/drawing/2014/main" id="{7CC44D49-FE7B-4EF1-8097-C648B5DE2294}"/>
-              </a:ext>
-            </a:extLst>
-          </p:cNvPr>
-          <p:cNvSpPr/>
-          <p:nvPr/>
-        </p:nvSpPr>
-        <p:spPr>
-          <a:xfrm>
-            <a:off x="11392250" y="142381"/>
-            <a:ext cx="627862" cy="627862"/>
-          </a:xfrm>
-          <a:prstGeom prst="diamond">
-            <a:avLst/>
-          </a:prstGeom>
-          <a:solidFill>
-            <a:schemeClr val="accent5">
-              <a:lumMod val="40000"/>
-              <a:lumOff val="60000"/>
-            </a:schemeClr>
-          </a:solidFill>
-          <a:ln>
-            <a:noFill/>
-          </a:ln>
-        </p:spPr>
-        <p:style>
-          <a:lnRef idx="2">
-            <a:schemeClr val="accent1">
-              <a:shade val="50000"/>
-            </a:schemeClr>
-          </a:lnRef>
-          <a:fillRef idx="1">
-            <a:schemeClr val="accent1"/>
-          </a:fillRef>
-          <a:effectRef idx="0">
-            <a:schemeClr val="accent1"/>
-          </a:effectRef>
-          <a:fontRef idx="minor">
-            <a:schemeClr val="lt1"/>
-          </a:fontRef>
-        </p:style>
-        <p:txBody>
-          <a:bodyPr rtlCol="0" anchor="ctr"/>
-          <a:lstStyle/>
-          <a:p>
-            <a:pPr algn="ctr"/>
-            <a:endParaRPr lang="ko-KR" altLang="en-US"/>
           </a:p>
         </p:txBody>
       </p:sp>
